--- a/7 - Håndtering af tekststrenge i software.pptx
+++ b/7 - Håndtering af tekststrenge i software.pptx
@@ -3963,10 +3963,10 @@
           <a:lstStyle/>
           <a:p>
             <a:r>
-              <a:rPr lang="en-GB" dirty="0" err="1" smtClean="0">
+              <a:rPr lang="en-GB" dirty="0" smtClean="0">
                 <a:latin typeface="Bahnschrift Light" panose="020B0502040204020203" pitchFamily="34" charset="0"/>
               </a:rPr>
-              <a:t>Tesktstrenge</a:t>
+              <a:t>Strings</a:t>
             </a:r>
             <a:endParaRPr lang="en-US" dirty="0">
               <a:latin typeface="Bahnschrift Light" panose="020B0502040204020203" pitchFamily="34" charset="0"/>
@@ -4006,18 +4006,30 @@
               <a:t> en </a:t>
             </a:r>
             <a:r>
+              <a:rPr lang="en-GB" dirty="0" smtClean="0"/>
+              <a:t>string?</a:t>
+            </a:r>
+          </a:p>
+          <a:p>
+            <a:r>
               <a:rPr lang="en-GB" dirty="0" err="1" smtClean="0"/>
-              <a:t>streng</a:t>
+              <a:t>Forskellige</a:t>
             </a:r>
             <a:r>
               <a:rPr lang="en-GB" dirty="0" smtClean="0"/>
-              <a:t>?</a:t>
-            </a:r>
-          </a:p>
-          <a:p>
+              <a:t> sprog </a:t>
+            </a:r>
             <a:r>
               <a:rPr lang="en-GB" dirty="0" err="1" smtClean="0"/>
-              <a:t>Metacharacters</a:t>
+              <a:t>håndterer</a:t>
+            </a:r>
+            <a:r>
+              <a:rPr lang="en-GB" dirty="0" smtClean="0"/>
+              <a:t> strings </a:t>
+            </a:r>
+            <a:r>
+              <a:rPr lang="en-GB" dirty="0" err="1" smtClean="0"/>
+              <a:t>forskelligt</a:t>
             </a:r>
             <a:endParaRPr lang="en-GB" dirty="0" smtClean="0"/>
           </a:p>
@@ -4025,9 +4037,16 @@
             <a:pPr lvl="1"/>
             <a:r>
               <a:rPr lang="en-GB" dirty="0" smtClean="0"/>
-              <a:t>` # $ &amp; ; %</a:t>
-            </a:r>
-            <a:endParaRPr lang="en-GB" dirty="0"/>
+              <a:t>C strings</a:t>
+            </a:r>
+          </a:p>
+          <a:p>
+            <a:pPr lvl="1"/>
+            <a:r>
+              <a:rPr lang="en-GB" dirty="0" smtClean="0"/>
+              <a:t>Python strings</a:t>
+            </a:r>
+            <a:endParaRPr lang="en-GB" dirty="0" smtClean="0"/>
           </a:p>
           <a:p>
             <a:endParaRPr lang="en-US" dirty="0"/>
@@ -4076,9 +4095,15 @@
         </p:nvSpPr>
         <p:spPr/>
         <p:txBody>
-          <a:bodyPr/>
-          <a:lstStyle/>
-          <a:p>
+          <a:bodyPr>
+            <a:normAutofit/>
+          </a:bodyPr>
+          <a:lstStyle/>
+          <a:p>
+            <a:r>
+              <a:rPr lang="en-GB" dirty="0" err="1" smtClean="0"/>
+              <a:t>Metacharacters</a:t>
+            </a:r>
             <a:endParaRPr lang="en-US" dirty="0">
               <a:latin typeface="Bahnschrift Light" panose="020B0502040204020203" pitchFamily="34" charset="0"/>
             </a:endParaRPr>
@@ -4100,7 +4125,11 @@
           <a:bodyPr/>
           <a:lstStyle/>
           <a:p>
-            <a:endParaRPr lang="en-US"/>
+            <a:r>
+              <a:rPr lang="en-GB" dirty="0"/>
+              <a:t>` # $ &amp; ; %</a:t>
+            </a:r>
+            <a:endParaRPr lang="en-US" dirty="0"/>
           </a:p>
         </p:txBody>
       </p:sp>

--- a/7 - Håndtering af tekststrenge i software.pptx
+++ b/7 - Håndtering af tekststrenge i software.pptx
@@ -248,7 +248,7 @@
           <a:p>
             <a:fld id="{2D7FE219-F25D-49CA-BAF6-41155C8B64D3}" type="datetimeFigureOut">
               <a:rPr lang="en-US" smtClean="0"/>
-              <a:t>10/24/2021</a:t>
+              <a:t>10/25/2021</a:t>
             </a:fld>
             <a:endParaRPr lang="en-US"/>
           </a:p>
@@ -418,7 +418,7 @@
           <a:p>
             <a:fld id="{2D7FE219-F25D-49CA-BAF6-41155C8B64D3}" type="datetimeFigureOut">
               <a:rPr lang="en-US" smtClean="0"/>
-              <a:t>10/24/2021</a:t>
+              <a:t>10/25/2021</a:t>
             </a:fld>
             <a:endParaRPr lang="en-US"/>
           </a:p>
@@ -598,7 +598,7 @@
           <a:p>
             <a:fld id="{2D7FE219-F25D-49CA-BAF6-41155C8B64D3}" type="datetimeFigureOut">
               <a:rPr lang="en-US" smtClean="0"/>
-              <a:t>10/24/2021</a:t>
+              <a:t>10/25/2021</a:t>
             </a:fld>
             <a:endParaRPr lang="en-US"/>
           </a:p>
@@ -768,7 +768,7 @@
           <a:p>
             <a:fld id="{2D7FE219-F25D-49CA-BAF6-41155C8B64D3}" type="datetimeFigureOut">
               <a:rPr lang="en-US" smtClean="0"/>
-              <a:t>10/24/2021</a:t>
+              <a:t>10/25/2021</a:t>
             </a:fld>
             <a:endParaRPr lang="en-US"/>
           </a:p>
@@ -1014,7 +1014,7 @@
           <a:p>
             <a:fld id="{2D7FE219-F25D-49CA-BAF6-41155C8B64D3}" type="datetimeFigureOut">
               <a:rPr lang="en-US" smtClean="0"/>
-              <a:t>10/24/2021</a:t>
+              <a:t>10/25/2021</a:t>
             </a:fld>
             <a:endParaRPr lang="en-US"/>
           </a:p>
@@ -1246,7 +1246,7 @@
           <a:p>
             <a:fld id="{2D7FE219-F25D-49CA-BAF6-41155C8B64D3}" type="datetimeFigureOut">
               <a:rPr lang="en-US" smtClean="0"/>
-              <a:t>10/24/2021</a:t>
+              <a:t>10/25/2021</a:t>
             </a:fld>
             <a:endParaRPr lang="en-US"/>
           </a:p>
@@ -1613,7 +1613,7 @@
           <a:p>
             <a:fld id="{2D7FE219-F25D-49CA-BAF6-41155C8B64D3}" type="datetimeFigureOut">
               <a:rPr lang="en-US" smtClean="0"/>
-              <a:t>10/24/2021</a:t>
+              <a:t>10/25/2021</a:t>
             </a:fld>
             <a:endParaRPr lang="en-US"/>
           </a:p>
@@ -1731,7 +1731,7 @@
           <a:p>
             <a:fld id="{2D7FE219-F25D-49CA-BAF6-41155C8B64D3}" type="datetimeFigureOut">
               <a:rPr lang="en-US" smtClean="0"/>
-              <a:t>10/24/2021</a:t>
+              <a:t>10/25/2021</a:t>
             </a:fld>
             <a:endParaRPr lang="en-US"/>
           </a:p>
@@ -1826,7 +1826,7 @@
           <a:p>
             <a:fld id="{2D7FE219-F25D-49CA-BAF6-41155C8B64D3}" type="datetimeFigureOut">
               <a:rPr lang="en-US" smtClean="0"/>
-              <a:t>10/24/2021</a:t>
+              <a:t>10/25/2021</a:t>
             </a:fld>
             <a:endParaRPr lang="en-US"/>
           </a:p>
@@ -2103,7 +2103,7 @@
           <a:p>
             <a:fld id="{2D7FE219-F25D-49CA-BAF6-41155C8B64D3}" type="datetimeFigureOut">
               <a:rPr lang="en-US" smtClean="0"/>
-              <a:t>10/24/2021</a:t>
+              <a:t>10/25/2021</a:t>
             </a:fld>
             <a:endParaRPr lang="en-US"/>
           </a:p>
@@ -2356,7 +2356,7 @@
           <a:p>
             <a:fld id="{2D7FE219-F25D-49CA-BAF6-41155C8B64D3}" type="datetimeFigureOut">
               <a:rPr lang="en-US" smtClean="0"/>
-              <a:t>10/24/2021</a:t>
+              <a:t>10/25/2021</a:t>
             </a:fld>
             <a:endParaRPr lang="en-US"/>
           </a:p>
@@ -2569,7 +2569,7 @@
           <a:p>
             <a:fld id="{2D7FE219-F25D-49CA-BAF6-41155C8B64D3}" type="datetimeFigureOut">
               <a:rPr lang="en-US" smtClean="0"/>
-              <a:t>10/24/2021</a:t>
+              <a:t>10/25/2021</a:t>
             </a:fld>
             <a:endParaRPr lang="en-US"/>
           </a:p>
@@ -4003,11 +4003,7 @@
             </a:r>
             <a:r>
               <a:rPr lang="en-GB" dirty="0" smtClean="0"/>
-              <a:t> en </a:t>
-            </a:r>
-            <a:r>
-              <a:rPr lang="en-GB" dirty="0" smtClean="0"/>
-              <a:t>string?</a:t>
+              <a:t> en string?</a:t>
             </a:r>
           </a:p>
           <a:p>
@@ -4046,7 +4042,6 @@
               <a:rPr lang="en-GB" dirty="0" smtClean="0"/>
               <a:t>Python strings</a:t>
             </a:r>
-            <a:endParaRPr lang="en-GB" dirty="0" smtClean="0"/>
           </a:p>
           <a:p>
             <a:endParaRPr lang="en-US" dirty="0"/>
@@ -4127,7 +4122,56 @@
           <a:p>
             <a:r>
               <a:rPr lang="en-GB" dirty="0"/>
-              <a:t>` # $ &amp; ; %</a:t>
+              <a:t>` # $ &amp; ; </a:t>
+            </a:r>
+            <a:r>
+              <a:rPr lang="en-GB" dirty="0" smtClean="0"/>
+              <a:t>%</a:t>
+            </a:r>
+          </a:p>
+          <a:p>
+            <a:r>
+              <a:rPr lang="en-GB" dirty="0" smtClean="0"/>
+              <a:t>Interpreters </a:t>
+            </a:r>
+            <a:r>
+              <a:rPr lang="en-GB" dirty="0" err="1" smtClean="0"/>
+              <a:t>findes</a:t>
+            </a:r>
+            <a:r>
+              <a:rPr lang="en-GB" dirty="0" smtClean="0"/>
+              <a:t> </a:t>
+            </a:r>
+            <a:r>
+              <a:rPr lang="en-GB" dirty="0" err="1" smtClean="0"/>
+              <a:t>alle</a:t>
+            </a:r>
+            <a:r>
+              <a:rPr lang="en-GB" dirty="0" smtClean="0"/>
+              <a:t> </a:t>
+            </a:r>
+            <a:r>
+              <a:rPr lang="en-GB" dirty="0" err="1" smtClean="0"/>
+              <a:t>steder</a:t>
+            </a:r>
+            <a:endParaRPr lang="en-GB" dirty="0" smtClean="0"/>
+          </a:p>
+          <a:p>
+            <a:r>
+              <a:rPr lang="en-GB" dirty="0" err="1" smtClean="0"/>
+              <a:t>Loginformularer</a:t>
+            </a:r>
+            <a:r>
+              <a:rPr lang="en-GB" dirty="0" smtClean="0"/>
+              <a:t>, </a:t>
+            </a:r>
+            <a:r>
+              <a:rPr lang="en-GB" dirty="0" err="1" smtClean="0"/>
+              <a:t>søgefelter</a:t>
+            </a:r>
+            <a:r>
+              <a:rPr lang="en-GB" dirty="0" smtClean="0"/>
+              <a:t>…</a:t>
             </a:r>
             <a:endParaRPr lang="en-US" dirty="0"/>
           </a:p>

--- a/7 - Håndtering af tekststrenge i software.pptx
+++ b/7 - Håndtering af tekststrenge i software.pptx
@@ -248,7 +248,7 @@
           <a:p>
             <a:fld id="{2D7FE219-F25D-49CA-BAF6-41155C8B64D3}" type="datetimeFigureOut">
               <a:rPr lang="en-US" smtClean="0"/>
-              <a:t>10/25/2021</a:t>
+              <a:t>10/26/2021</a:t>
             </a:fld>
             <a:endParaRPr lang="en-US"/>
           </a:p>
@@ -418,7 +418,7 @@
           <a:p>
             <a:fld id="{2D7FE219-F25D-49CA-BAF6-41155C8B64D3}" type="datetimeFigureOut">
               <a:rPr lang="en-US" smtClean="0"/>
-              <a:t>10/25/2021</a:t>
+              <a:t>10/26/2021</a:t>
             </a:fld>
             <a:endParaRPr lang="en-US"/>
           </a:p>
@@ -598,7 +598,7 @@
           <a:p>
             <a:fld id="{2D7FE219-F25D-49CA-BAF6-41155C8B64D3}" type="datetimeFigureOut">
               <a:rPr lang="en-US" smtClean="0"/>
-              <a:t>10/25/2021</a:t>
+              <a:t>10/26/2021</a:t>
             </a:fld>
             <a:endParaRPr lang="en-US"/>
           </a:p>
@@ -768,7 +768,7 @@
           <a:p>
             <a:fld id="{2D7FE219-F25D-49CA-BAF6-41155C8B64D3}" type="datetimeFigureOut">
               <a:rPr lang="en-US" smtClean="0"/>
-              <a:t>10/25/2021</a:t>
+              <a:t>10/26/2021</a:t>
             </a:fld>
             <a:endParaRPr lang="en-US"/>
           </a:p>
@@ -1014,7 +1014,7 @@
           <a:p>
             <a:fld id="{2D7FE219-F25D-49CA-BAF6-41155C8B64D3}" type="datetimeFigureOut">
               <a:rPr lang="en-US" smtClean="0"/>
-              <a:t>10/25/2021</a:t>
+              <a:t>10/26/2021</a:t>
             </a:fld>
             <a:endParaRPr lang="en-US"/>
           </a:p>
@@ -1246,7 +1246,7 @@
           <a:p>
             <a:fld id="{2D7FE219-F25D-49CA-BAF6-41155C8B64D3}" type="datetimeFigureOut">
               <a:rPr lang="en-US" smtClean="0"/>
-              <a:t>10/25/2021</a:t>
+              <a:t>10/26/2021</a:t>
             </a:fld>
             <a:endParaRPr lang="en-US"/>
           </a:p>
@@ -1613,7 +1613,7 @@
           <a:p>
             <a:fld id="{2D7FE219-F25D-49CA-BAF6-41155C8B64D3}" type="datetimeFigureOut">
               <a:rPr lang="en-US" smtClean="0"/>
-              <a:t>10/25/2021</a:t>
+              <a:t>10/26/2021</a:t>
             </a:fld>
             <a:endParaRPr lang="en-US"/>
           </a:p>
@@ -1731,7 +1731,7 @@
           <a:p>
             <a:fld id="{2D7FE219-F25D-49CA-BAF6-41155C8B64D3}" type="datetimeFigureOut">
               <a:rPr lang="en-US" smtClean="0"/>
-              <a:t>10/25/2021</a:t>
+              <a:t>10/26/2021</a:t>
             </a:fld>
             <a:endParaRPr lang="en-US"/>
           </a:p>
@@ -1826,7 +1826,7 @@
           <a:p>
             <a:fld id="{2D7FE219-F25D-49CA-BAF6-41155C8B64D3}" type="datetimeFigureOut">
               <a:rPr lang="en-US" smtClean="0"/>
-              <a:t>10/25/2021</a:t>
+              <a:t>10/26/2021</a:t>
             </a:fld>
             <a:endParaRPr lang="en-US"/>
           </a:p>
@@ -2103,7 +2103,7 @@
           <a:p>
             <a:fld id="{2D7FE219-F25D-49CA-BAF6-41155C8B64D3}" type="datetimeFigureOut">
               <a:rPr lang="en-US" smtClean="0"/>
-              <a:t>10/25/2021</a:t>
+              <a:t>10/26/2021</a:t>
             </a:fld>
             <a:endParaRPr lang="en-US"/>
           </a:p>
@@ -2356,7 +2356,7 @@
           <a:p>
             <a:fld id="{2D7FE219-F25D-49CA-BAF6-41155C8B64D3}" type="datetimeFigureOut">
               <a:rPr lang="en-US" smtClean="0"/>
-              <a:t>10/25/2021</a:t>
+              <a:t>10/26/2021</a:t>
             </a:fld>
             <a:endParaRPr lang="en-US"/>
           </a:p>
@@ -2569,7 +2569,7 @@
           <a:p>
             <a:fld id="{2D7FE219-F25D-49CA-BAF6-41155C8B64D3}" type="datetimeFigureOut">
               <a:rPr lang="en-US" smtClean="0"/>
-              <a:t>10/25/2021</a:t>
+              <a:t>10/26/2021</a:t>
             </a:fld>
             <a:endParaRPr lang="en-US"/>
           </a:p>
@@ -4234,25 +4234,30 @@
           </a:p>
         </p:txBody>
       </p:sp>
-      <p:sp>
-        <p:nvSpPr>
-          <p:cNvPr id="3" name="Content Placeholder 2"/>
-          <p:cNvSpPr>
-            <a:spLocks noGrp="1"/>
-          </p:cNvSpPr>
-          <p:nvPr>
-            <p:ph idx="1"/>
-          </p:nvPr>
-        </p:nvSpPr>
-        <p:spPr/>
-        <p:txBody>
-          <a:bodyPr/>
-          <a:lstStyle/>
-          <a:p>
-            <a:endParaRPr lang="en-US" dirty="0"/>
-          </a:p>
-        </p:txBody>
-      </p:sp>
+      <p:pic>
+        <p:nvPicPr>
+          <p:cNvPr id="4" name="Picture 3"/>
+          <p:cNvPicPr>
+            <a:picLocks noChangeAspect="1"/>
+          </p:cNvPicPr>
+          <p:nvPr/>
+        </p:nvPicPr>
+        <p:blipFill>
+          <a:blip r:embed="rId2"/>
+          <a:stretch>
+            <a:fillRect/>
+          </a:stretch>
+        </p:blipFill>
+        <p:spPr>
+          <a:xfrm>
+            <a:off x="2718916" y="2294752"/>
+            <a:ext cx="6754168" cy="2448267"/>
+          </a:xfrm>
+          <a:prstGeom prst="rect">
+            <a:avLst/>
+          </a:prstGeom>
+        </p:spPr>
+      </p:pic>
     </p:spTree>
     <p:extLst>
       <p:ext uri="{BB962C8B-B14F-4D97-AF65-F5344CB8AC3E}">
